--- a/Kidnet Pitch Deck.pptx
+++ b/Kidnet Pitch Deck.pptx
@@ -8,11 +8,12 @@
     <p:sldId id="256" r:id="rId2"/>
     <p:sldId id="257" r:id="rId3"/>
     <p:sldId id="258" r:id="rId4"/>
-    <p:sldId id="259" r:id="rId5"/>
-    <p:sldId id="260" r:id="rId6"/>
-    <p:sldId id="261" r:id="rId7"/>
-    <p:sldId id="262" r:id="rId8"/>
-    <p:sldId id="263" r:id="rId9"/>
+    <p:sldId id="264" r:id="rId5"/>
+    <p:sldId id="259" r:id="rId6"/>
+    <p:sldId id="260" r:id="rId7"/>
+    <p:sldId id="261" r:id="rId8"/>
+    <p:sldId id="262" r:id="rId9"/>
+    <p:sldId id="263" r:id="rId10"/>
   </p:sldIdLst>
   <p:sldSz cx="12192000" cy="6858000"/>
   <p:notesSz cx="6858000" cy="9144000"/>
@@ -111,6 +112,11 @@
       </a:defRPr>
     </a:lvl9pPr>
   </p:defaultTextStyle>
+  <p:extLst>
+    <p:ext uri="{EFAFB233-063F-42B5-8137-9DF3F51BA10A}">
+      <p15:sldGuideLst xmlns:p15="http://schemas.microsoft.com/office/powerpoint/2012/main"/>
+    </p:ext>
+  </p:extLst>
 </p:presentation>
 </file>
 
@@ -126,8 +132,8 @@
 <pc:chgInfo xmlns:a="http://schemas.openxmlformats.org/drawingml/2006/main" xmlns:r="http://schemas.openxmlformats.org/officeDocument/2006/relationships" xmlns:ac="http://schemas.microsoft.com/office/drawing/2013/main/command" xmlns:pc="http://schemas.microsoft.com/office/powerpoint/2013/main/command">
   <pc:docChgLst>
     <pc:chgData name="Shang Yi Ku" userId="50a212beb2107eae" providerId="LiveId" clId="{1383A6F1-E6A3-486F-9E28-910A2C4DAE7A}"/>
-    <pc:docChg chg="undo custSel addSld modSld">
-      <pc:chgData name="Shang Yi Ku" userId="50a212beb2107eae" providerId="LiveId" clId="{1383A6F1-E6A3-486F-9E28-910A2C4DAE7A}" dt="2023-02-11T03:12:19.588" v="1985" actId="20577"/>
+    <pc:docChg chg="undo custSel addSld modSld sldOrd">
+      <pc:chgData name="Shang Yi Ku" userId="50a212beb2107eae" providerId="LiveId" clId="{1383A6F1-E6A3-486F-9E28-910A2C4DAE7A}" dt="2023-02-11T03:40:11.308" v="2166" actId="20577"/>
       <pc:docMkLst>
         <pc:docMk/>
       </pc:docMkLst>
@@ -418,6 +424,53 @@
             <ac:spMk id="5" creationId="{51A40360-2A0B-5FB1-6004-A07B5D9A1F02}"/>
           </ac:spMkLst>
         </pc:spChg>
+      </pc:sldChg>
+      <pc:sldChg chg="addSp delSp modSp new mod ord">
+        <pc:chgData name="Shang Yi Ku" userId="50a212beb2107eae" providerId="LiveId" clId="{1383A6F1-E6A3-486F-9E28-910A2C4DAE7A}" dt="2023-02-11T03:40:11.308" v="2166" actId="20577"/>
+        <pc:sldMkLst>
+          <pc:docMk/>
+          <pc:sldMk cId="2168702517" sldId="264"/>
+        </pc:sldMkLst>
+        <pc:spChg chg="del">
+          <ac:chgData name="Shang Yi Ku" userId="50a212beb2107eae" providerId="LiveId" clId="{1383A6F1-E6A3-486F-9E28-910A2C4DAE7A}" dt="2023-02-11T03:31:54.568" v="1987" actId="478"/>
+          <ac:spMkLst>
+            <pc:docMk/>
+            <pc:sldMk cId="2168702517" sldId="264"/>
+            <ac:spMk id="2" creationId="{23D7DC12-E766-F2AF-3445-E4BD9218093D}"/>
+          </ac:spMkLst>
+        </pc:spChg>
+        <pc:spChg chg="mod">
+          <ac:chgData name="Shang Yi Ku" userId="50a212beb2107eae" providerId="LiveId" clId="{1383A6F1-E6A3-486F-9E28-910A2C4DAE7A}" dt="2023-02-11T03:40:11.308" v="2166" actId="20577"/>
+          <ac:spMkLst>
+            <pc:docMk/>
+            <pc:sldMk cId="2168702517" sldId="264"/>
+            <ac:spMk id="3" creationId="{534F8D63-C81F-2F20-21B6-487317824DAA}"/>
+          </ac:spMkLst>
+        </pc:spChg>
+        <pc:picChg chg="add del mod">
+          <ac:chgData name="Shang Yi Ku" userId="50a212beb2107eae" providerId="LiveId" clId="{1383A6F1-E6A3-486F-9E28-910A2C4DAE7A}" dt="2023-02-11T03:32:56.387" v="2051" actId="478"/>
+          <ac:picMkLst>
+            <pc:docMk/>
+            <pc:sldMk cId="2168702517" sldId="264"/>
+            <ac:picMk id="5" creationId="{8A58A16A-7B56-A6AC-1A75-4770C232D0E9}"/>
+          </ac:picMkLst>
+        </pc:picChg>
+        <pc:picChg chg="add del mod">
+          <ac:chgData name="Shang Yi Ku" userId="50a212beb2107eae" providerId="LiveId" clId="{1383A6F1-E6A3-486F-9E28-910A2C4DAE7A}" dt="2023-02-11T03:35:22.184" v="2127" actId="478"/>
+          <ac:picMkLst>
+            <pc:docMk/>
+            <pc:sldMk cId="2168702517" sldId="264"/>
+            <ac:picMk id="7" creationId="{F8D2D8F5-D219-05B7-5EFD-504648FF42BB}"/>
+          </ac:picMkLst>
+        </pc:picChg>
+        <pc:picChg chg="add mod">
+          <ac:chgData name="Shang Yi Ku" userId="50a212beb2107eae" providerId="LiveId" clId="{1383A6F1-E6A3-486F-9E28-910A2C4DAE7A}" dt="2023-02-11T03:39:55.894" v="2131" actId="1076"/>
+          <ac:picMkLst>
+            <pc:docMk/>
+            <pc:sldMk cId="2168702517" sldId="264"/>
+            <ac:picMk id="9" creationId="{E046FA92-F5D9-93DF-2BDA-4A20F2916687}"/>
+          </ac:picMkLst>
+        </pc:picChg>
       </pc:sldChg>
     </pc:docChg>
   </pc:docChgLst>
@@ -6484,6 +6537,105 @@
           <a:chExt cx="0" cy="0"/>
         </a:xfrm>
       </p:grpSpPr>
+      <p:sp>
+        <p:nvSpPr>
+          <p:cNvPr id="3" name="Content Placeholder 2">
+            <a:extLst>
+              <a:ext uri="{FF2B5EF4-FFF2-40B4-BE49-F238E27FC236}">
+                <a16:creationId xmlns:a16="http://schemas.microsoft.com/office/drawing/2014/main" id="{534F8D63-C81F-2F20-21B6-487317824DAA}"/>
+              </a:ext>
+            </a:extLst>
+          </p:cNvPr>
+          <p:cNvSpPr>
+            <a:spLocks noGrp="1"/>
+          </p:cNvSpPr>
+          <p:nvPr>
+            <p:ph idx="1"/>
+          </p:nvPr>
+        </p:nvSpPr>
+        <p:spPr>
+          <a:xfrm>
+            <a:off x="184030" y="1797010"/>
+            <a:ext cx="2116348" cy="3649133"/>
+          </a:xfrm>
+        </p:spPr>
+        <p:txBody>
+          <a:bodyPr>
+            <a:normAutofit/>
+          </a:bodyPr>
+          <a:lstStyle/>
+          <a:p>
+            <a:pPr marL="0" indent="0">
+              <a:buNone/>
+            </a:pPr>
+            <a:r>
+              <a:rPr lang="en-US" sz="2000" dirty="0"/>
+              <a:t>Home page with an introduction to the platform. Users are featured below for recruiters who can view their profile.</a:t>
+            </a:r>
+            <a:endParaRPr lang="en-SG" sz="2000" dirty="0"/>
+          </a:p>
+        </p:txBody>
+      </p:sp>
+      <p:pic>
+        <p:nvPicPr>
+          <p:cNvPr id="9" name="Picture 8">
+            <a:extLst>
+              <a:ext uri="{FF2B5EF4-FFF2-40B4-BE49-F238E27FC236}">
+                <a16:creationId xmlns:a16="http://schemas.microsoft.com/office/drawing/2014/main" id="{E046FA92-F5D9-93DF-2BDA-4A20F2916687}"/>
+              </a:ext>
+            </a:extLst>
+          </p:cNvPr>
+          <p:cNvPicPr>
+            <a:picLocks noChangeAspect="1"/>
+          </p:cNvPicPr>
+          <p:nvPr/>
+        </p:nvPicPr>
+        <p:blipFill>
+          <a:blip r:embed="rId2"/>
+          <a:stretch>
+            <a:fillRect/>
+          </a:stretch>
+        </p:blipFill>
+        <p:spPr>
+          <a:xfrm>
+            <a:off x="2461404" y="780255"/>
+            <a:ext cx="9730596" cy="5297490"/>
+          </a:xfrm>
+          <a:prstGeom prst="rect">
+            <a:avLst/>
+          </a:prstGeom>
+        </p:spPr>
+      </p:pic>
+    </p:spTree>
+    <p:extLst>
+      <p:ext uri="{BB962C8B-B14F-4D97-AF65-F5344CB8AC3E}">
+        <p14:creationId xmlns:p14="http://schemas.microsoft.com/office/powerpoint/2010/main" val="2168702517"/>
+      </p:ext>
+    </p:extLst>
+  </p:cSld>
+  <p:clrMapOvr>
+    <a:masterClrMapping/>
+  </p:clrMapOvr>
+</p:sld>
+</file>
+
+<file path=ppt/slides/slide5.xml><?xml version="1.0" encoding="utf-8"?>
+<p:sld xmlns:a="http://schemas.openxmlformats.org/drawingml/2006/main" xmlns:r="http://schemas.openxmlformats.org/officeDocument/2006/relationships" xmlns:p="http://schemas.openxmlformats.org/presentationml/2006/main">
+  <p:cSld>
+    <p:spTree>
+      <p:nvGrpSpPr>
+        <p:cNvPr id="1" name=""/>
+        <p:cNvGrpSpPr/>
+        <p:nvPr/>
+      </p:nvGrpSpPr>
+      <p:grpSpPr>
+        <a:xfrm>
+          <a:off x="0" y="0"/>
+          <a:ext cx="0" cy="0"/>
+          <a:chOff x="0" y="0"/>
+          <a:chExt cx="0" cy="0"/>
+        </a:xfrm>
+      </p:grpSpPr>
       <p:pic>
         <p:nvPicPr>
           <p:cNvPr id="7" name="Picture 6">
@@ -6566,7 +6718,7 @@
 </p:sld>
 </file>
 
-<file path=ppt/slides/slide5.xml><?xml version="1.0" encoding="utf-8"?>
+<file path=ppt/slides/slide6.xml><?xml version="1.0" encoding="utf-8"?>
 <p:sld xmlns:a="http://schemas.openxmlformats.org/drawingml/2006/main" xmlns:r="http://schemas.openxmlformats.org/officeDocument/2006/relationships" xmlns:p="http://schemas.openxmlformats.org/presentationml/2006/main">
   <p:cSld>
     <p:spTree>
@@ -6665,7 +6817,7 @@
 </p:sld>
 </file>
 
-<file path=ppt/slides/slide6.xml><?xml version="1.0" encoding="utf-8"?>
+<file path=ppt/slides/slide7.xml><?xml version="1.0" encoding="utf-8"?>
 <p:sld xmlns:a="http://schemas.openxmlformats.org/drawingml/2006/main" xmlns:r="http://schemas.openxmlformats.org/officeDocument/2006/relationships" xmlns:p="http://schemas.openxmlformats.org/presentationml/2006/main">
   <p:cSld>
     <p:spTree>
@@ -6764,7 +6916,7 @@
 </p:sld>
 </file>
 
-<file path=ppt/slides/slide7.xml><?xml version="1.0" encoding="utf-8"?>
+<file path=ppt/slides/slide8.xml><?xml version="1.0" encoding="utf-8"?>
 <p:sld xmlns:a="http://schemas.openxmlformats.org/drawingml/2006/main" xmlns:r="http://schemas.openxmlformats.org/officeDocument/2006/relationships" xmlns:p="http://schemas.openxmlformats.org/presentationml/2006/main">
   <p:cSld>
     <p:spTree>
@@ -6904,7 +7056,7 @@
 </p:sld>
 </file>
 
-<file path=ppt/slides/slide8.xml><?xml version="1.0" encoding="utf-8"?>
+<file path=ppt/slides/slide9.xml><?xml version="1.0" encoding="utf-8"?>
 <p:sld xmlns:a="http://schemas.openxmlformats.org/drawingml/2006/main" xmlns:r="http://schemas.openxmlformats.org/officeDocument/2006/relationships" xmlns:p="http://schemas.openxmlformats.org/presentationml/2006/main">
   <p:cSld>
     <p:spTree>
